--- a/docs/8547Saini/assignments/assignment1.pptx
+++ b/docs/8547Saini/assignments/assignment1.pptx
@@ -3372,12 +3372,12 @@
           <a:chExt cx="0" cy="0"/>
         </a:xfrm>
       </p:grpSpPr>
-      <p:sp>
+      <p:sp useBgFill="1">
         <p:nvSpPr>
-          <p:cNvPr id="7" name="Rectangle 6">
+          <p:cNvPr id="19" name="Rectangle 18">
             <a:extLst>
               <a:ext uri="{FF2B5EF4-FFF2-40B4-BE49-F238E27FC236}">
-                <a16:creationId xmlns:a16="http://schemas.microsoft.com/office/drawing/2014/main" id="{01C9CC24-B375-4226-BF2B-61FADBBA696A}"/>
+                <a16:creationId xmlns:a16="http://schemas.microsoft.com/office/drawing/2014/main" id="{3B854194-185D-494D-905C-7C7CB2E30F6E}"/>
               </a:ext>
               <a:ext uri="{C183D7F6-B498-43B3-948B-1728B52AA6E4}">
                 <adec:decorative xmlns:adec="http://schemas.microsoft.com/office/drawing/2017/decorative" val="1"/>
@@ -3397,15 +3397,12 @@
         </p:nvSpPr>
         <p:spPr>
           <a:xfrm>
-            <a:off x="0" y="0"/>
-            <a:ext cx="12192000" cy="6858000"/>
+            <a:off x="1" y="0"/>
+            <a:ext cx="6082110" cy="6858000"/>
           </a:xfrm>
           <a:prstGeom prst="rect">
             <a:avLst/>
           </a:prstGeom>
-          <a:solidFill>
-            <a:srgbClr val="FFFFFF"/>
-          </a:solidFill>
           <a:ln>
             <a:noFill/>
           </a:ln>
@@ -3437,10 +3434,10 @@
       </p:sp>
       <p:sp>
         <p:nvSpPr>
-          <p:cNvPr id="9" name="Rectangle 8">
+          <p:cNvPr id="21" name="Rectangle 20">
             <a:extLst>
               <a:ext uri="{FF2B5EF4-FFF2-40B4-BE49-F238E27FC236}">
-                <a16:creationId xmlns:a16="http://schemas.microsoft.com/office/drawing/2014/main" id="{CD70A28E-4FD8-4474-A206-E15B5EBB303F}"/>
+                <a16:creationId xmlns:a16="http://schemas.microsoft.com/office/drawing/2014/main" id="{B4F5FA0D-0104-4987-8241-EFF7C85B88DE}"/>
               </a:ext>
               <a:ext uri="{C183D7F6-B498-43B3-948B-1728B52AA6E4}">
                 <adec:decorative xmlns:adec="http://schemas.microsoft.com/office/drawing/2017/decorative" val="1"/>
@@ -3460,8 +3457,8 @@
         </p:nvSpPr>
         <p:spPr>
           <a:xfrm>
-            <a:off x="3048" y="1084747"/>
-            <a:ext cx="12188952" cy="3294207"/>
+            <a:off x="1" y="0"/>
+            <a:ext cx="12191998" cy="6858000"/>
           </a:xfrm>
           <a:prstGeom prst="rect">
             <a:avLst/>
@@ -3522,10 +3519,10 @@
       </p:sp>
       <p:pic>
         <p:nvPicPr>
-          <p:cNvPr id="14" name="Picture 10">
+          <p:cNvPr id="23" name="Picture 22">
             <a:extLst>
               <a:ext uri="{FF2B5EF4-FFF2-40B4-BE49-F238E27FC236}">
-                <a16:creationId xmlns:a16="http://schemas.microsoft.com/office/drawing/2014/main" id="{39647E21-5366-4638-AC97-D8CD4111EB57}"/>
+                <a16:creationId xmlns:a16="http://schemas.microsoft.com/office/drawing/2014/main" id="{2897127E-6CEF-446C-BE87-93B7C46E49D1}"/>
               </a:ext>
               <a:ext uri="{C183D7F6-B498-43B3-948B-1728B52AA6E4}">
                 <adec:decorative xmlns:adec="http://schemas.microsoft.com/office/drawing/2017/decorative" val="1"/>
@@ -3551,62 +3548,18 @@
               </a:ext>
             </a:extLst>
           </a:blip>
-          <a:srcRect l="8235" r="8214" b="45501"/>
           <a:stretch>
             <a:fillRect/>
           </a:stretch>
         </p:blipFill>
         <p:spPr>
-          <a:xfrm flipV="1">
+          <a:xfrm>
             <a:off x="0" y="0"/>
-            <a:ext cx="12191999" cy="4473360"/>
+            <a:ext cx="12192000" cy="6858000"/>
           </a:xfrm>
-          <a:custGeom>
+          <a:prstGeom prst="rect">
             <a:avLst/>
-            <a:gdLst>
-              <a:gd name="connsiteX0" fmla="*/ 0 w 12191999"/>
-              <a:gd name="connsiteY0" fmla="*/ 4473360 h 4473360"/>
-              <a:gd name="connsiteX1" fmla="*/ 12191999 w 12191999"/>
-              <a:gd name="connsiteY1" fmla="*/ 4473360 h 4473360"/>
-              <a:gd name="connsiteX2" fmla="*/ 12191999 w 12191999"/>
-              <a:gd name="connsiteY2" fmla="*/ 0 h 4473360"/>
-              <a:gd name="connsiteX3" fmla="*/ 0 w 12191999"/>
-              <a:gd name="connsiteY3" fmla="*/ 0 h 4473360"/>
-            </a:gdLst>
-            <a:ahLst/>
-            <a:cxnLst>
-              <a:cxn ang="0">
-                <a:pos x="connsiteX0" y="connsiteY0"/>
-              </a:cxn>
-              <a:cxn ang="0">
-                <a:pos x="connsiteX1" y="connsiteY1"/>
-              </a:cxn>
-              <a:cxn ang="0">
-                <a:pos x="connsiteX2" y="connsiteY2"/>
-              </a:cxn>
-              <a:cxn ang="0">
-                <a:pos x="connsiteX3" y="connsiteY3"/>
-              </a:cxn>
-            </a:cxnLst>
-            <a:rect l="l" t="t" r="r" b="b"/>
-            <a:pathLst>
-              <a:path w="12191999" h="4473360">
-                <a:moveTo>
-                  <a:pt x="0" y="4473360"/>
-                </a:moveTo>
-                <a:lnTo>
-                  <a:pt x="12191999" y="4473360"/>
-                </a:lnTo>
-                <a:lnTo>
-                  <a:pt x="12191999" y="0"/>
-                </a:lnTo>
-                <a:lnTo>
-                  <a:pt x="0" y="0"/>
-                </a:lnTo>
-                <a:close/>
-              </a:path>
-            </a:pathLst>
-          </a:custGeom>
+          </a:prstGeom>
         </p:spPr>
       </p:pic>
       <p:sp>
@@ -3627,8 +3580,8 @@
         </p:nvSpPr>
         <p:spPr>
           <a:xfrm>
-            <a:off x="753925" y="2076450"/>
-            <a:ext cx="10684151" cy="1345134"/>
+            <a:off x="640079" y="2053641"/>
+            <a:ext cx="3669161" cy="2760098"/>
           </a:xfrm>
         </p:spPr>
         <p:txBody>
@@ -3637,18 +3590,110 @@
           </a:bodyPr>
           <a:lstStyle/>
           <a:p>
-            <a:pPr algn="ctr"/>
             <a:r>
-              <a:rPr lang="en-GB" dirty="0">
+              <a:rPr lang="en-US" kern="1200">
                 <a:solidFill>
-                  <a:schemeClr val="bg1"/>
+                  <a:srgbClr val="FFFFFF"/>
                 </a:solidFill>
+                <a:latin typeface="+mj-lt"/>
+                <a:ea typeface="+mj-ea"/>
+                <a:cs typeface="+mj-cs"/>
               </a:rPr>
               <a:t>Assignment Lab 1</a:t>
             </a:r>
-            <a:endParaRPr lang="en-US" sz="5600" kern="1200" dirty="0">
+          </a:p>
+        </p:txBody>
+      </p:sp>
+      <p:sp>
+        <p:nvSpPr>
+          <p:cNvPr id="3" name="TextBox 2">
+            <a:extLst>
+              <a:ext uri="{FF2B5EF4-FFF2-40B4-BE49-F238E27FC236}">
+                <a16:creationId xmlns:a16="http://schemas.microsoft.com/office/drawing/2014/main" id="{C3119C66-688E-4099-B101-90CEAE033289}"/>
+              </a:ext>
+            </a:extLst>
+          </p:cNvPr>
+          <p:cNvSpPr txBox="1"/>
+          <p:nvPr/>
+        </p:nvSpPr>
+        <p:spPr>
+          <a:xfrm>
+            <a:off x="6090574" y="801866"/>
+            <a:ext cx="5306084" cy="5230634"/>
+          </a:xfrm>
+          <a:prstGeom prst="rect">
+            <a:avLst/>
+          </a:prstGeom>
+        </p:spPr>
+        <p:txBody>
+          <a:bodyPr vert="horz" lIns="91440" tIns="45720" rIns="91440" bIns="45720" rtlCol="0" anchor="ctr">
+            <a:normAutofit/>
+          </a:bodyPr>
+          <a:lstStyle/>
+          <a:p>
+            <a:pPr indent="-228600">
+              <a:lnSpc>
+                <a:spcPct val="90000"/>
+              </a:lnSpc>
+              <a:spcAft>
+                <a:spcPts val="600"/>
+              </a:spcAft>
+              <a:buFont typeface="Arial" panose="020B0604020202020204" pitchFamily="34" charset="0"/>
+              <a:buChar char="•"/>
+            </a:pPr>
+            <a:r>
+              <a:rPr lang="en-US" sz="2400" b="1" i="0" u="none" strike="noStrike" baseline="0" dirty="0">
+                <a:solidFill>
+                  <a:srgbClr val="000000"/>
+                </a:solidFill>
+              </a:rPr>
+              <a:t>Pledge: </a:t>
+            </a:r>
+            <a:r>
+              <a:rPr lang="en-US" sz="2400" b="0" i="0" u="none" strike="noStrike" baseline="0" dirty="0">
+                <a:solidFill>
+                  <a:srgbClr val="000000"/>
+                </a:solidFill>
+              </a:rPr>
+              <a:t>“As a student of the University of Windsor, I pledge to pursue all endeavors with honor and integrity and will not tolerate or engage in academic or personal dishonesty. I confirm that I have not received any unauthorized assistance in preparing for or writing this assignment. I acknowledge that a mark of 0 may be assigned for copied work</a:t>
+            </a:r>
+            <a:r>
+              <a:rPr lang="en-US" sz="2400" b="0" i="0" u="none" strike="noStrike" baseline="0">
+                <a:solidFill>
+                  <a:srgbClr val="000000"/>
+                </a:solidFill>
+              </a:rPr>
+              <a:t>.” </a:t>
+            </a:r>
+          </a:p>
+          <a:p>
+            <a:pPr algn="r">
+              <a:lnSpc>
+                <a:spcPct val="90000"/>
+              </a:lnSpc>
+              <a:spcAft>
+                <a:spcPts val="600"/>
+              </a:spcAft>
+            </a:pPr>
+            <a:r>
+              <a:rPr lang="en-US" sz="2400" b="0" i="0" u="none" strike="noStrike" baseline="0">
+                <a:solidFill>
+                  <a:srgbClr val="000000"/>
+                </a:solidFill>
+              </a:rPr>
+              <a:t> </a:t>
+            </a:r>
+            <a:r>
+              <a:rPr lang="en-US" sz="2400" b="0" i="0" u="none" strike="noStrike" baseline="0" dirty="0">
+                <a:solidFill>
+                  <a:srgbClr val="000000"/>
+                </a:solidFill>
+              </a:rPr>
+              <a:t>Wen Dong #110057395 </a:t>
+            </a:r>
+            <a:endParaRPr lang="en-US" sz="2400" dirty="0">
               <a:solidFill>
-                <a:schemeClr val="bg1"/>
+                <a:srgbClr val="000000"/>
               </a:solidFill>
             </a:endParaRPr>
           </a:p>
@@ -7437,7 +7482,7 @@
           <a:p>
             <a:r>
               <a:rPr lang="en-US" dirty="0"/>
-              <a:t>For 4.b (search), the tree is getting more and more balanced due to splaying along with search, so complexity is O(log n)</a:t>
+              <a:t>For 4.b (search), the tree is getting more and more balanced due to splaying along with searches, so complexity is O(log n)</a:t>
             </a:r>
           </a:p>
           <a:p>
@@ -8735,7 +8780,7 @@
           <a:p>
             <a:r>
               <a:rPr lang="en-US" dirty="0"/>
-              <a:t>For random inputs, average time for all are decent at average complexity O(log )</a:t>
+              <a:t>For random inputs, average time for all are decent at average complexity O(log n)</a:t>
             </a:r>
           </a:p>
         </p:txBody>
@@ -9958,12 +10003,8 @@
           <a:lstStyle/>
           <a:p>
             <a:r>
-              <a:rPr lang="en-US"/>
-              <a:t>we </a:t>
-            </a:r>
-            <a:r>
               <a:rPr lang="en-US" dirty="0"/>
-              <a:t>can see actions on all the tables are of average-time complexity O(log n), except Binary Search tree for sequential inputs which Performs at worst case O(n). For real problems, if the inputs are random data, I will choose Binary Search Tree or </a:t>
+              <a:t>we can see actions on all the tables are of average-time complexity O(log n), except Binary Search tree for sequential inputs which Performs at worst case O(n). For real problems, if the inputs are random data, I will choose Binary Search Tree or </a:t>
             </a:r>
             <a:r>
               <a:rPr lang="en-US" dirty="0" err="1"/>
@@ -10031,6 +10072,66 @@
           <a:chExt cx="0" cy="0"/>
         </a:xfrm>
       </p:grpSpPr>
+      <p:sp useBgFill="1">
+        <p:nvSpPr>
+          <p:cNvPr id="21" name="Rectangle 20">
+            <a:extLst>
+              <a:ext uri="{FF2B5EF4-FFF2-40B4-BE49-F238E27FC236}">
+                <a16:creationId xmlns:a16="http://schemas.microsoft.com/office/drawing/2014/main" id="{53F29798-D584-4792-9B62-3F5F5C36D619}"/>
+              </a:ext>
+              <a:ext uri="{C183D7F6-B498-43B3-948B-1728B52AA6E4}">
+                <adec:decorative xmlns:adec="http://schemas.microsoft.com/office/drawing/2017/decorative" val="1"/>
+              </a:ext>
+            </a:extLst>
+          </p:cNvPr>
+          <p:cNvSpPr>
+            <a:spLocks noGrp="1" noRot="1" noChangeAspect="1" noMove="1" noResize="1" noEditPoints="1" noAdjustHandles="1" noChangeArrowheads="1" noChangeShapeType="1" noTextEdit="1"/>
+          </p:cNvSpPr>
+          <p:nvPr>
+            <p:extLst>
+              <p:ext uri="{386F3935-93C4-4BCD-93E2-E3B085C9AB24}">
+                <p16:designElem xmlns:p16="http://schemas.microsoft.com/office/powerpoint/2015/main" val="1"/>
+              </p:ext>
+            </p:extLst>
+          </p:nvPr>
+        </p:nvSpPr>
+        <p:spPr>
+          <a:xfrm>
+            <a:off x="0" y="0"/>
+            <a:ext cx="12188952" cy="6858000"/>
+          </a:xfrm>
+          <a:prstGeom prst="rect">
+            <a:avLst/>
+          </a:prstGeom>
+          <a:ln>
+            <a:noFill/>
+          </a:ln>
+        </p:spPr>
+        <p:style>
+          <a:lnRef idx="2">
+            <a:schemeClr val="accent1">
+              <a:shade val="50000"/>
+            </a:schemeClr>
+          </a:lnRef>
+          <a:fillRef idx="1">
+            <a:schemeClr val="accent1"/>
+          </a:fillRef>
+          <a:effectRef idx="0">
+            <a:schemeClr val="accent1"/>
+          </a:effectRef>
+          <a:fontRef idx="minor">
+            <a:schemeClr val="lt1"/>
+          </a:fontRef>
+        </p:style>
+        <p:txBody>
+          <a:bodyPr rtlCol="0" anchor="ctr"/>
+          <a:lstStyle/>
+          <a:p>
+            <a:pPr algn="ctr"/>
+            <a:endParaRPr lang="en-US"/>
+          </a:p>
+        </p:txBody>
+      </p:sp>
       <p:sp>
         <p:nvSpPr>
           <p:cNvPr id="2" name="Title 1">
@@ -10049,8 +10150,8 @@
         </p:nvSpPr>
         <p:spPr>
           <a:xfrm>
-            <a:off x="648929" y="629266"/>
-            <a:ext cx="3990127" cy="4234965"/>
+            <a:off x="838200" y="184805"/>
+            <a:ext cx="10515600" cy="1505883"/>
           </a:xfrm>
         </p:spPr>
         <p:txBody>
@@ -10060,10 +10161,7 @@
           <a:lstStyle/>
           <a:p>
             <a:r>
-              <a:rPr lang="en-US" sz="3700" kern="1200" dirty="0">
-                <a:solidFill>
-                  <a:schemeClr val="tx1"/>
-                </a:solidFill>
+              <a:rPr lang="en-US" sz="2900" kern="1200">
                 <a:latin typeface="+mj-lt"/>
                 <a:ea typeface="+mj-ea"/>
                 <a:cs typeface="+mj-cs"/>
@@ -10071,20 +10169,14 @@
               <a:t>This is the source code structure corresponding to all the questions. </a:t>
             </a:r>
             <a:br>
-              <a:rPr lang="en-US" sz="3700" kern="1200" dirty="0">
-                <a:solidFill>
-                  <a:schemeClr val="tx1"/>
-                </a:solidFill>
+              <a:rPr lang="en-US" sz="2900" kern="1200">
                 <a:latin typeface="+mj-lt"/>
                 <a:ea typeface="+mj-ea"/>
                 <a:cs typeface="+mj-cs"/>
               </a:rPr>
             </a:br>
             <a:r>
-              <a:rPr lang="en-US" sz="3700" kern="1200" dirty="0" err="1">
-                <a:solidFill>
-                  <a:schemeClr val="tx1"/>
-                </a:solidFill>
+              <a:rPr lang="en-US" sz="2900" kern="1200">
                 <a:highlight>
                   <a:srgbClr val="00FF00"/>
                 </a:highlight>
@@ -10095,53 +10187,22 @@
               <a:t>a</a:t>
             </a:r>
             <a:r>
-              <a:rPr lang="en-US" sz="3700" kern="1200" dirty="0" err="1">
-                <a:solidFill>
-                  <a:schemeClr val="tx1"/>
-                </a:solidFill>
+              <a:rPr lang="en-US" sz="2900" kern="1200">
                 <a:latin typeface="+mj-lt"/>
                 <a:ea typeface="+mj-ea"/>
                 <a:cs typeface="+mj-cs"/>
               </a:rPr>
-              <a:t>.</a:t>
-            </a:r>
-            <a:r>
-              <a:rPr lang="en-US" sz="2800" kern="1200" dirty="0" err="1">
-                <a:solidFill>
-                  <a:schemeClr val="tx1"/>
-                </a:solidFill>
-                <a:latin typeface="+mj-lt"/>
-                <a:ea typeface="+mj-ea"/>
-                <a:cs typeface="+mj-cs"/>
-              </a:rPr>
-              <a:t>Run</a:t>
-            </a:r>
-            <a:r>
-              <a:rPr lang="en-US" sz="2800" kern="1200" dirty="0">
-                <a:solidFill>
-                  <a:schemeClr val="tx1"/>
-                </a:solidFill>
-                <a:latin typeface="+mj-lt"/>
-                <a:ea typeface="+mj-ea"/>
-                <a:cs typeface="+mj-cs"/>
-              </a:rPr>
-              <a:t> TestHashTales.java for questions 1-3;</a:t>
+              <a:t>.Run TestHashTales.java for questions 1-3;</a:t>
             </a:r>
             <a:br>
-              <a:rPr lang="en-US" sz="2800" kern="1200" dirty="0">
-                <a:solidFill>
-                  <a:schemeClr val="tx1"/>
-                </a:solidFill>
+              <a:rPr lang="en-US" sz="2900" kern="1200">
                 <a:latin typeface="+mj-lt"/>
                 <a:ea typeface="+mj-ea"/>
                 <a:cs typeface="+mj-cs"/>
               </a:rPr>
             </a:br>
             <a:r>
-              <a:rPr lang="en-US" sz="2800" kern="1200" dirty="0">
-                <a:solidFill>
-                  <a:schemeClr val="tx1"/>
-                </a:solidFill>
+              <a:rPr lang="en-US" sz="2900" kern="1200">
                 <a:highlight>
                   <a:srgbClr val="FF0000"/>
                 </a:highlight>
@@ -10152,10 +10213,7 @@
               <a:t>b</a:t>
             </a:r>
             <a:r>
-              <a:rPr lang="en-US" sz="2800" kern="1200" dirty="0">
-                <a:solidFill>
-                  <a:schemeClr val="tx1"/>
-                </a:solidFill>
+              <a:rPr lang="en-US" sz="2900" kern="1200">
                 <a:latin typeface="+mj-lt"/>
                 <a:ea typeface="+mj-ea"/>
                 <a:cs typeface="+mj-cs"/>
@@ -10165,6 +10223,36 @@
           </a:p>
         </p:txBody>
       </p:sp>
+      <p:pic>
+        <p:nvPicPr>
+          <p:cNvPr id="10" name="Picture 9">
+            <a:extLst>
+              <a:ext uri="{FF2B5EF4-FFF2-40B4-BE49-F238E27FC236}">
+                <a16:creationId xmlns:a16="http://schemas.microsoft.com/office/drawing/2014/main" id="{C3426E54-33A4-425C-90FC-5B3C4850CB3B}"/>
+              </a:ext>
+            </a:extLst>
+          </p:cNvPr>
+          <p:cNvPicPr>
+            <a:picLocks noChangeAspect="1"/>
+          </p:cNvPicPr>
+          <p:nvPr/>
+        </p:nvPicPr>
+        <p:blipFill>
+          <a:blip r:embed="rId2"/>
+          <a:stretch>
+            <a:fillRect/>
+          </a:stretch>
+        </p:blipFill>
+        <p:spPr>
+          <a:xfrm>
+            <a:off x="838200" y="1849802"/>
+            <a:ext cx="10512547" cy="4441551"/>
+          </a:xfrm>
+          <a:prstGeom prst="rect">
+            <a:avLst/>
+          </a:prstGeom>
+        </p:spPr>
+      </p:pic>
       <p:sp>
         <p:nvSpPr>
           <p:cNvPr id="6" name="TextBox 5">
@@ -10204,173 +10292,6 @@
           </a:p>
         </p:txBody>
       </p:sp>
-      <p:sp>
-        <p:nvSpPr>
-          <p:cNvPr id="15" name="Rectangle 10">
-            <a:extLst>
-              <a:ext uri="{FF2B5EF4-FFF2-40B4-BE49-F238E27FC236}">
-                <a16:creationId xmlns:a16="http://schemas.microsoft.com/office/drawing/2014/main" id="{5E39A796-BE83-48B1-B33F-35C4A32AAB57}"/>
-              </a:ext>
-              <a:ext uri="{C183D7F6-B498-43B3-948B-1728B52AA6E4}">
-                <adec:decorative xmlns:adec="http://schemas.microsoft.com/office/drawing/2017/decorative" val="1"/>
-              </a:ext>
-            </a:extLst>
-          </p:cNvPr>
-          <p:cNvSpPr>
-            <a:spLocks noGrp="1" noRot="1" noChangeAspect="1" noMove="1" noResize="1" noEditPoints="1" noAdjustHandles="1" noChangeArrowheads="1" noChangeShapeType="1" noTextEdit="1"/>
-          </p:cNvSpPr>
-          <p:nvPr>
-            <p:extLst>
-              <p:ext uri="{386F3935-93C4-4BCD-93E2-E3B085C9AB24}">
-                <p16:designElem xmlns:p16="http://schemas.microsoft.com/office/powerpoint/2015/main" val="1"/>
-              </p:ext>
-            </p:extLst>
-          </p:nvPr>
-        </p:nvSpPr>
-        <p:spPr>
-          <a:xfrm>
-            <a:off x="4639056" y="0"/>
-            <a:ext cx="7552944" cy="6858000"/>
-          </a:xfrm>
-          <a:prstGeom prst="rect">
-            <a:avLst/>
-          </a:prstGeom>
-          <a:solidFill>
-            <a:srgbClr val="C8CACA"/>
-          </a:solidFill>
-          <a:ln>
-            <a:noFill/>
-          </a:ln>
-        </p:spPr>
-        <p:style>
-          <a:lnRef idx="2">
-            <a:schemeClr val="accent1">
-              <a:shade val="50000"/>
-            </a:schemeClr>
-          </a:lnRef>
-          <a:fillRef idx="1">
-            <a:schemeClr val="accent1"/>
-          </a:fillRef>
-          <a:effectRef idx="0">
-            <a:schemeClr val="accent1"/>
-          </a:effectRef>
-          <a:fontRef idx="minor">
-            <a:schemeClr val="lt1"/>
-          </a:fontRef>
-        </p:style>
-        <p:txBody>
-          <a:bodyPr rtlCol="0" anchor="ctr"/>
-          <a:lstStyle/>
-          <a:p>
-            <a:pPr algn="ctr"/>
-            <a:endParaRPr lang="en-US"/>
-          </a:p>
-        </p:txBody>
-      </p:sp>
-      <p:sp>
-        <p:nvSpPr>
-          <p:cNvPr id="16" name="Rounded Rectangle 9">
-            <a:extLst>
-              <a:ext uri="{FF2B5EF4-FFF2-40B4-BE49-F238E27FC236}">
-                <a16:creationId xmlns:a16="http://schemas.microsoft.com/office/drawing/2014/main" id="{72F84B47-E267-4194-8194-831DB7B5547F}"/>
-              </a:ext>
-              <a:ext uri="{C183D7F6-B498-43B3-948B-1728B52AA6E4}">
-                <adec:decorative xmlns:adec="http://schemas.microsoft.com/office/drawing/2017/decorative" val="1"/>
-              </a:ext>
-            </a:extLst>
-          </p:cNvPr>
-          <p:cNvSpPr>
-            <a:spLocks noGrp="1" noRot="1" noChangeAspect="1" noMove="1" noResize="1" noEditPoints="1" noAdjustHandles="1" noChangeArrowheads="1" noChangeShapeType="1" noTextEdit="1"/>
-          </p:cNvSpPr>
-          <p:nvPr>
-            <p:extLst>
-              <p:ext uri="{386F3935-93C4-4BCD-93E2-E3B085C9AB24}">
-                <p16:designElem xmlns:p16="http://schemas.microsoft.com/office/powerpoint/2015/main" val="1"/>
-              </p:ext>
-            </p:extLst>
-          </p:nvPr>
-        </p:nvSpPr>
-        <p:spPr>
-          <a:xfrm>
-            <a:off x="5123688" y="557784"/>
-            <a:ext cx="6584098" cy="5739187"/>
-          </a:xfrm>
-          <a:prstGeom prst="roundRect">
-            <a:avLst>
-              <a:gd name="adj" fmla="val 0"/>
-            </a:avLst>
-          </a:prstGeom>
-          <a:solidFill>
-            <a:srgbClr val="FFFFFF"/>
-          </a:solidFill>
-          <a:ln w="9525">
-            <a:solidFill>
-              <a:srgbClr val="C8CACA"/>
-            </a:solidFill>
-          </a:ln>
-          <a:effectLst>
-            <a:outerShdw blurRad="57150" dist="19050" dir="5400000" algn="t" rotWithShape="0">
-              <a:prstClr val="black">
-                <a:alpha val="63000"/>
-              </a:prstClr>
-            </a:outerShdw>
-          </a:effectLst>
-        </p:spPr>
-        <p:style>
-          <a:lnRef idx="2">
-            <a:schemeClr val="accent1">
-              <a:shade val="50000"/>
-            </a:schemeClr>
-          </a:lnRef>
-          <a:fillRef idx="1">
-            <a:schemeClr val="accent1"/>
-          </a:fillRef>
-          <a:effectRef idx="0">
-            <a:schemeClr val="accent1"/>
-          </a:effectRef>
-          <a:fontRef idx="minor">
-            <a:schemeClr val="lt1"/>
-          </a:fontRef>
-        </p:style>
-        <p:txBody>
-          <a:bodyPr rtlCol="0" anchor="ctr"/>
-          <a:lstStyle/>
-          <a:p>
-            <a:pPr algn="ctr"/>
-            <a:endParaRPr lang="en-US"/>
-          </a:p>
-        </p:txBody>
-      </p:sp>
-      <p:pic>
-        <p:nvPicPr>
-          <p:cNvPr id="8" name="Picture 7">
-            <a:extLst>
-              <a:ext uri="{FF2B5EF4-FFF2-40B4-BE49-F238E27FC236}">
-                <a16:creationId xmlns:a16="http://schemas.microsoft.com/office/drawing/2014/main" id="{7D394C09-41D2-4E31-9662-CD9E6499F6AB}"/>
-              </a:ext>
-            </a:extLst>
-          </p:cNvPr>
-          <p:cNvPicPr>
-            <a:picLocks noChangeAspect="1"/>
-          </p:cNvPicPr>
-          <p:nvPr/>
-        </p:nvPicPr>
-        <p:blipFill>
-          <a:blip r:embed="rId2"/>
-          <a:stretch>
-            <a:fillRect/>
-          </a:stretch>
-        </p:blipFill>
-        <p:spPr>
-          <a:xfrm>
-            <a:off x="5352644" y="629266"/>
-            <a:ext cx="5105400" cy="2638425"/>
-          </a:xfrm>
-          <a:prstGeom prst="rect">
-            <a:avLst/>
-          </a:prstGeom>
-        </p:spPr>
-      </p:pic>
     </p:spTree>
     <p:extLst>
       <p:ext uri="{BB962C8B-B14F-4D97-AF65-F5344CB8AC3E}">
@@ -10502,7 +10423,7 @@
             </a:r>
             <a:r>
               <a:rPr lang="en-US" sz="2000" dirty="0" err="1"/>
-              <a:t>SCh</a:t>
+              <a:t>SpCh</a:t>
             </a:r>
             <a:r>
               <a:rPr lang="en-US" sz="2000" dirty="0"/>

--- a/docs/8547Saini/assignments/assignment1.pptx
+++ b/docs/8547Saini/assignments/assignment1.pptx
@@ -23,6 +23,9 @@
     <p:sldId id="277" r:id="rId17"/>
     <p:sldId id="278" r:id="rId18"/>
     <p:sldId id="276" r:id="rId19"/>
+    <p:sldId id="279" r:id="rId20"/>
+    <p:sldId id="280" r:id="rId21"/>
+    <p:sldId id="281" r:id="rId22"/>
   </p:sldIdLst>
   <p:sldSz cx="12192000" cy="6858000"/>
   <p:notesSz cx="6858000" cy="9144000"/>
@@ -278,7 +281,7 @@
           <a:p>
             <a:fld id="{8B53A62C-599C-4D9F-A3F6-187F600ABCBA}" type="datetimeFigureOut">
               <a:rPr lang="en-GB" smtClean="0"/>
-              <a:t>04/10/2020</a:t>
+              <a:t>05/10/2020</a:t>
             </a:fld>
             <a:endParaRPr lang="en-GB"/>
           </a:p>
@@ -478,7 +481,7 @@
           <a:p>
             <a:fld id="{8B53A62C-599C-4D9F-A3F6-187F600ABCBA}" type="datetimeFigureOut">
               <a:rPr lang="en-GB" smtClean="0"/>
-              <a:t>04/10/2020</a:t>
+              <a:t>05/10/2020</a:t>
             </a:fld>
             <a:endParaRPr lang="en-GB"/>
           </a:p>
@@ -688,7 +691,7 @@
           <a:p>
             <a:fld id="{8B53A62C-599C-4D9F-A3F6-187F600ABCBA}" type="datetimeFigureOut">
               <a:rPr lang="en-GB" smtClean="0"/>
-              <a:t>04/10/2020</a:t>
+              <a:t>05/10/2020</a:t>
             </a:fld>
             <a:endParaRPr lang="en-GB"/>
           </a:p>
@@ -888,7 +891,7 @@
           <a:p>
             <a:fld id="{8B53A62C-599C-4D9F-A3F6-187F600ABCBA}" type="datetimeFigureOut">
               <a:rPr lang="en-GB" smtClean="0"/>
-              <a:t>04/10/2020</a:t>
+              <a:t>05/10/2020</a:t>
             </a:fld>
             <a:endParaRPr lang="en-GB"/>
           </a:p>
@@ -1164,7 +1167,7 @@
           <a:p>
             <a:fld id="{8B53A62C-599C-4D9F-A3F6-187F600ABCBA}" type="datetimeFigureOut">
               <a:rPr lang="en-GB" smtClean="0"/>
-              <a:t>04/10/2020</a:t>
+              <a:t>05/10/2020</a:t>
             </a:fld>
             <a:endParaRPr lang="en-GB"/>
           </a:p>
@@ -1432,7 +1435,7 @@
           <a:p>
             <a:fld id="{8B53A62C-599C-4D9F-A3F6-187F600ABCBA}" type="datetimeFigureOut">
               <a:rPr lang="en-GB" smtClean="0"/>
-              <a:t>04/10/2020</a:t>
+              <a:t>05/10/2020</a:t>
             </a:fld>
             <a:endParaRPr lang="en-GB"/>
           </a:p>
@@ -1847,7 +1850,7 @@
           <a:p>
             <a:fld id="{8B53A62C-599C-4D9F-A3F6-187F600ABCBA}" type="datetimeFigureOut">
               <a:rPr lang="en-GB" smtClean="0"/>
-              <a:t>04/10/2020</a:t>
+              <a:t>05/10/2020</a:t>
             </a:fld>
             <a:endParaRPr lang="en-GB"/>
           </a:p>
@@ -1989,7 +1992,7 @@
           <a:p>
             <a:fld id="{8B53A62C-599C-4D9F-A3F6-187F600ABCBA}" type="datetimeFigureOut">
               <a:rPr lang="en-GB" smtClean="0"/>
-              <a:t>04/10/2020</a:t>
+              <a:t>05/10/2020</a:t>
             </a:fld>
             <a:endParaRPr lang="en-GB"/>
           </a:p>
@@ -2102,7 +2105,7 @@
           <a:p>
             <a:fld id="{8B53A62C-599C-4D9F-A3F6-187F600ABCBA}" type="datetimeFigureOut">
               <a:rPr lang="en-GB" smtClean="0"/>
-              <a:t>04/10/2020</a:t>
+              <a:t>05/10/2020</a:t>
             </a:fld>
             <a:endParaRPr lang="en-GB"/>
           </a:p>
@@ -2415,7 +2418,7 @@
           <a:p>
             <a:fld id="{8B53A62C-599C-4D9F-A3F6-187F600ABCBA}" type="datetimeFigureOut">
               <a:rPr lang="en-GB" smtClean="0"/>
-              <a:t>04/10/2020</a:t>
+              <a:t>05/10/2020</a:t>
             </a:fld>
             <a:endParaRPr lang="en-GB"/>
           </a:p>
@@ -2704,7 +2707,7 @@
           <a:p>
             <a:fld id="{8B53A62C-599C-4D9F-A3F6-187F600ABCBA}" type="datetimeFigureOut">
               <a:rPr lang="en-GB" smtClean="0"/>
-              <a:t>04/10/2020</a:t>
+              <a:t>05/10/2020</a:t>
             </a:fld>
             <a:endParaRPr lang="en-GB"/>
           </a:p>
@@ -2947,7 +2950,7 @@
           <a:p>
             <a:fld id="{8B53A62C-599C-4D9F-A3F6-187F600ABCBA}" type="datetimeFigureOut">
               <a:rPr lang="en-GB" smtClean="0"/>
-              <a:t>04/10/2020</a:t>
+              <a:t>05/10/2020</a:t>
             </a:fld>
             <a:endParaRPr lang="en-GB"/>
           </a:p>
@@ -4692,14 +4695,14 @@
           <p:nvPr>
             <p:extLst>
               <p:ext uri="{D42A27DB-BD31-4B8C-83A1-F6EECF244321}">
-                <p14:modId xmlns:p14="http://schemas.microsoft.com/office/powerpoint/2010/main" val="2976148253"/>
+                <p14:modId xmlns:p14="http://schemas.microsoft.com/office/powerpoint/2010/main" val="3001091525"/>
               </p:ext>
             </p:extLst>
           </p:nvPr>
         </p:nvGraphicFramePr>
         <p:xfrm>
-          <a:off x="6198394" y="3958051"/>
-          <a:ext cx="5167188" cy="638892"/>
+          <a:off x="6005383" y="3958051"/>
+          <a:ext cx="6032646" cy="645220"/>
         </p:xfrm>
         <a:graphic>
           <a:graphicData uri="http://schemas.openxmlformats.org/drawingml/2006/table">
@@ -4708,49 +4711,49 @@
                 <a:tableStyleId>{5C22544A-7EE6-4342-B048-85BDC9FD1C3A}</a:tableStyleId>
               </a:tblPr>
               <a:tblGrid>
-                <a:gridCol w="608701">
+                <a:gridCol w="710653">
                   <a:extLst>
                     <a:ext uri="{9D8B030D-6E8A-4147-A177-3AD203B41FA5}">
                       <a16:colId xmlns:a16="http://schemas.microsoft.com/office/drawing/2014/main" val="2258575193"/>
                     </a:ext>
                   </a:extLst>
                 </a:gridCol>
-                <a:gridCol w="914403">
+                <a:gridCol w="1067557">
                   <a:extLst>
                     <a:ext uri="{9D8B030D-6E8A-4147-A177-3AD203B41FA5}">
                       <a16:colId xmlns:a16="http://schemas.microsoft.com/office/drawing/2014/main" val="2143812425"/>
                     </a:ext>
                   </a:extLst>
                 </a:gridCol>
-                <a:gridCol w="781841">
+                <a:gridCol w="912792">
                   <a:extLst>
                     <a:ext uri="{9D8B030D-6E8A-4147-A177-3AD203B41FA5}">
                       <a16:colId xmlns:a16="http://schemas.microsoft.com/office/drawing/2014/main" val="61648245"/>
                     </a:ext>
                   </a:extLst>
                 </a:gridCol>
-                <a:gridCol w="914403">
+                <a:gridCol w="1067557">
                   <a:extLst>
                     <a:ext uri="{9D8B030D-6E8A-4147-A177-3AD203B41FA5}">
                       <a16:colId xmlns:a16="http://schemas.microsoft.com/office/drawing/2014/main" val="1573360608"/>
                     </a:ext>
                   </a:extLst>
                 </a:gridCol>
-                <a:gridCol w="649280">
+                <a:gridCol w="758029">
                   <a:extLst>
                     <a:ext uri="{9D8B030D-6E8A-4147-A177-3AD203B41FA5}">
                       <a16:colId xmlns:a16="http://schemas.microsoft.com/office/drawing/2014/main" val="2634276259"/>
                     </a:ext>
                   </a:extLst>
                 </a:gridCol>
-                <a:gridCol w="649280">
+                <a:gridCol w="758029">
                   <a:extLst>
                     <a:ext uri="{9D8B030D-6E8A-4147-A177-3AD203B41FA5}">
                       <a16:colId xmlns:a16="http://schemas.microsoft.com/office/drawing/2014/main" val="2422872110"/>
                     </a:ext>
                   </a:extLst>
                 </a:gridCol>
-                <a:gridCol w="649280">
+                <a:gridCol w="758029">
                   <a:extLst>
                     <a:ext uri="{9D8B030D-6E8A-4147-A177-3AD203B41FA5}">
                       <a16:colId xmlns:a16="http://schemas.microsoft.com/office/drawing/2014/main" val="3414361715"/>
@@ -4957,84 +4960,84 @@
                     <a:p>
                       <a:pPr algn="r" fontAlgn="b"/>
                       <a:r>
-                        <a:rPr lang="en-US" sz="1900" u="none" strike="noStrike">
-                          <a:effectLst/>
-                        </a:rPr>
-                        <a:t>111261</a:t>
-                      </a:r>
-                      <a:endParaRPr lang="en-US" sz="1900" b="0" i="0" u="none" strike="noStrike">
-                        <a:solidFill>
-                          <a:srgbClr val="000000"/>
-                        </a:solidFill>
-                        <a:effectLst/>
-                        <a:latin typeface="Calibri" panose="020F0502020204030204" pitchFamily="34" charset="0"/>
-                      </a:endParaRPr>
-                    </a:p>
-                  </a:txBody>
-                  <a:tcPr marL="12986" marR="12986" marT="12986" marB="0" anchor="b"/>
-                </a:tc>
-                <a:tc>
-                  <a:txBody>
-                    <a:bodyPr/>
-                    <a:lstStyle/>
-                    <a:p>
-                      <a:pPr algn="r" fontAlgn="b"/>
-                      <a:r>
-                        <a:rPr lang="en-US" sz="1900" u="none" strike="noStrike">
-                          <a:effectLst/>
-                        </a:rPr>
-                        <a:t>60310</a:t>
-                      </a:r>
-                      <a:endParaRPr lang="en-US" sz="1900" b="0" i="0" u="none" strike="noStrike">
-                        <a:solidFill>
-                          <a:srgbClr val="000000"/>
-                        </a:solidFill>
-                        <a:effectLst/>
-                        <a:latin typeface="Calibri" panose="020F0502020204030204" pitchFamily="34" charset="0"/>
-                      </a:endParaRPr>
-                    </a:p>
-                  </a:txBody>
-                  <a:tcPr marL="12986" marR="12986" marT="12986" marB="0" anchor="b"/>
-                </a:tc>
-                <a:tc>
-                  <a:txBody>
-                    <a:bodyPr/>
-                    <a:lstStyle/>
-                    <a:p>
-                      <a:pPr algn="r" fontAlgn="b"/>
-                      <a:r>
-                        <a:rPr lang="en-US" sz="1900" u="none" strike="noStrike">
-                          <a:effectLst/>
-                        </a:rPr>
-                        <a:t>107332</a:t>
-                      </a:r>
-                      <a:endParaRPr lang="en-US" sz="1900" b="0" i="0" u="none" strike="noStrike">
-                        <a:solidFill>
-                          <a:srgbClr val="000000"/>
-                        </a:solidFill>
-                        <a:effectLst/>
-                        <a:latin typeface="Calibri" panose="020F0502020204030204" pitchFamily="34" charset="0"/>
-                      </a:endParaRPr>
-                    </a:p>
-                  </a:txBody>
-                  <a:tcPr marL="12986" marR="12986" marT="12986" marB="0" anchor="b"/>
-                </a:tc>
-                <a:tc>
-                  <a:txBody>
-                    <a:bodyPr/>
-                    <a:lstStyle/>
-                    <a:p>
-                      <a:pPr algn="r" fontAlgn="b"/>
-                      <a:r>
-                        <a:rPr lang="en-US" sz="1900" b="0" u="none" strike="noStrike" dirty="0">
+                        <a:rPr lang="en-US" sz="2000" u="none" strike="noStrike" dirty="0">
+                          <a:effectLst/>
+                        </a:rPr>
+                        <a:t>1159902</a:t>
+                      </a:r>
+                      <a:endParaRPr lang="en-US" sz="2000" b="0" i="0" u="none" strike="noStrike" dirty="0">
+                        <a:solidFill>
+                          <a:srgbClr val="000000"/>
+                        </a:solidFill>
+                        <a:effectLst/>
+                        <a:latin typeface="Calibri" panose="020F0502020204030204" pitchFamily="34" charset="0"/>
+                      </a:endParaRPr>
+                    </a:p>
+                  </a:txBody>
+                  <a:tcPr marL="20974" marR="20974" marT="20974" marB="0" anchor="b"/>
+                </a:tc>
+                <a:tc>
+                  <a:txBody>
+                    <a:bodyPr/>
+                    <a:lstStyle/>
+                    <a:p>
+                      <a:pPr algn="r" fontAlgn="b"/>
+                      <a:r>
+                        <a:rPr lang="en-US" sz="2000" u="none" strike="noStrike" dirty="0">
+                          <a:effectLst/>
+                        </a:rPr>
+                        <a:t>655528</a:t>
+                      </a:r>
+                      <a:endParaRPr lang="en-US" sz="2000" b="0" i="0" u="none" strike="noStrike" dirty="0">
+                        <a:solidFill>
+                          <a:srgbClr val="000000"/>
+                        </a:solidFill>
+                        <a:effectLst/>
+                        <a:latin typeface="Calibri" panose="020F0502020204030204" pitchFamily="34" charset="0"/>
+                      </a:endParaRPr>
+                    </a:p>
+                  </a:txBody>
+                  <a:tcPr marL="20974" marR="20974" marT="20974" marB="0" anchor="b"/>
+                </a:tc>
+                <a:tc>
+                  <a:txBody>
+                    <a:bodyPr/>
+                    <a:lstStyle/>
+                    <a:p>
+                      <a:pPr algn="r" fontAlgn="b"/>
+                      <a:r>
+                        <a:rPr lang="en-US" sz="2000" u="none" strike="noStrike" dirty="0">
+                          <a:effectLst/>
+                        </a:rPr>
+                        <a:t>1159699</a:t>
+                      </a:r>
+                      <a:endParaRPr lang="en-US" sz="2000" b="0" i="0" u="none" strike="noStrike" dirty="0">
+                        <a:solidFill>
+                          <a:srgbClr val="000000"/>
+                        </a:solidFill>
+                        <a:effectLst/>
+                        <a:latin typeface="Calibri" panose="020F0502020204030204" pitchFamily="34" charset="0"/>
+                      </a:endParaRPr>
+                    </a:p>
+                  </a:txBody>
+                  <a:tcPr marL="20974" marR="20974" marT="20974" marB="0" anchor="b"/>
+                </a:tc>
+                <a:tc>
+                  <a:txBody>
+                    <a:bodyPr/>
+                    <a:lstStyle/>
+                    <a:p>
+                      <a:pPr algn="r" fontAlgn="b"/>
+                      <a:r>
+                        <a:rPr lang="en-US" sz="2000" u="none" strike="noStrike" dirty="0">
                           <a:effectLst/>
                           <a:highlight>
                             <a:srgbClr val="00FF00"/>
                           </a:highlight>
                         </a:rPr>
-                        <a:t>1255</a:t>
-                      </a:r>
-                      <a:endParaRPr lang="en-US" sz="1900" b="0" i="0" u="none" strike="noStrike" dirty="0">
+                        <a:t>961</a:t>
+                      </a:r>
+                      <a:endParaRPr lang="en-US" sz="2000" b="0" i="0" u="none" strike="noStrike" dirty="0">
                         <a:solidFill>
                           <a:srgbClr val="000000"/>
                         </a:solidFill>
@@ -5046,24 +5049,24 @@
                       </a:endParaRPr>
                     </a:p>
                   </a:txBody>
-                  <a:tcPr marL="12986" marR="12986" marT="12986" marB="0" anchor="b"/>
-                </a:tc>
-                <a:tc>
-                  <a:txBody>
-                    <a:bodyPr/>
-                    <a:lstStyle/>
-                    <a:p>
-                      <a:pPr algn="r" fontAlgn="b"/>
-                      <a:r>
-                        <a:rPr lang="en-US" sz="1900" b="0" u="none" strike="noStrike" dirty="0">
+                  <a:tcPr marL="20974" marR="20974" marT="20974" marB="0" anchor="b"/>
+                </a:tc>
+                <a:tc>
+                  <a:txBody>
+                    <a:bodyPr/>
+                    <a:lstStyle/>
+                    <a:p>
+                      <a:pPr algn="r" fontAlgn="b"/>
+                      <a:r>
+                        <a:rPr lang="en-US" sz="2000" u="none" strike="noStrike" dirty="0">
                           <a:effectLst/>
                           <a:highlight>
                             <a:srgbClr val="00FF00"/>
                           </a:highlight>
                         </a:rPr>
-                        <a:t>1177</a:t>
-                      </a:r>
-                      <a:endParaRPr lang="en-US" sz="1900" b="0" i="0" u="none" strike="noStrike" dirty="0">
+                        <a:t>1162</a:t>
+                      </a:r>
+                      <a:endParaRPr lang="en-US" sz="2000" b="0" i="0" u="none" strike="noStrike" dirty="0">
                         <a:solidFill>
                           <a:srgbClr val="000000"/>
                         </a:solidFill>
@@ -5075,24 +5078,24 @@
                       </a:endParaRPr>
                     </a:p>
                   </a:txBody>
-                  <a:tcPr marL="12986" marR="12986" marT="12986" marB="0" anchor="b"/>
-                </a:tc>
-                <a:tc>
-                  <a:txBody>
-                    <a:bodyPr/>
-                    <a:lstStyle/>
-                    <a:p>
-                      <a:pPr algn="r" fontAlgn="b"/>
-                      <a:r>
-                        <a:rPr lang="en-US" sz="1900" b="0" u="none" strike="noStrike" dirty="0">
+                  <a:tcPr marL="20974" marR="20974" marT="20974" marB="0" anchor="b"/>
+                </a:tc>
+                <a:tc>
+                  <a:txBody>
+                    <a:bodyPr/>
+                    <a:lstStyle/>
+                    <a:p>
+                      <a:pPr algn="r" fontAlgn="b"/>
+                      <a:r>
+                        <a:rPr lang="en-US" sz="2000" u="none" strike="noStrike" dirty="0">
                           <a:effectLst/>
                           <a:highlight>
                             <a:srgbClr val="00FF00"/>
                           </a:highlight>
                         </a:rPr>
-                        <a:t>1587</a:t>
-                      </a:r>
-                      <a:endParaRPr lang="en-US" sz="1900" b="0" i="0" u="none" strike="noStrike" dirty="0">
+                        <a:t>1162</a:t>
+                      </a:r>
+                      <a:endParaRPr lang="en-US" sz="2000" b="0" i="0" u="none" strike="noStrike" dirty="0">
                         <a:solidFill>
                           <a:srgbClr val="000000"/>
                         </a:solidFill>
@@ -5104,7 +5107,7 @@
                       </a:endParaRPr>
                     </a:p>
                   </a:txBody>
-                  <a:tcPr marL="12986" marR="12986" marT="12986" marB="0" anchor="b"/>
+                  <a:tcPr marL="20974" marR="20974" marT="20974" marB="0" anchor="b"/>
                 </a:tc>
                 <a:extLst>
                   <a:ext uri="{0D108BD9-81ED-4DB2-BD59-A6C34878D82A}">
@@ -10047,6 +10050,276 @@
 </p:sld>
 </file>
 
+<file path=ppt/slides/slide19.xml><?xml version="1.0" encoding="utf-8"?>
+<p:sld xmlns:a="http://schemas.openxmlformats.org/drawingml/2006/main" xmlns:r="http://schemas.openxmlformats.org/officeDocument/2006/relationships" xmlns:p="http://schemas.openxmlformats.org/presentationml/2006/main">
+  <p:cSld>
+    <p:bg>
+      <p:bgPr>
+        <a:solidFill>
+          <a:schemeClr val="bg1"/>
+        </a:solidFill>
+        <a:effectLst/>
+      </p:bgPr>
+    </p:bg>
+    <p:spTree>
+      <p:nvGrpSpPr>
+        <p:cNvPr id="1" name=""/>
+        <p:cNvGrpSpPr/>
+        <p:nvPr/>
+      </p:nvGrpSpPr>
+      <p:grpSpPr>
+        <a:xfrm>
+          <a:off x="0" y="0"/>
+          <a:ext cx="0" cy="0"/>
+          <a:chOff x="0" y="0"/>
+          <a:chExt cx="0" cy="0"/>
+        </a:xfrm>
+      </p:grpSpPr>
+      <p:sp useBgFill="1">
+        <p:nvSpPr>
+          <p:cNvPr id="19" name="Rectangle 18">
+            <a:extLst>
+              <a:ext uri="{FF2B5EF4-FFF2-40B4-BE49-F238E27FC236}">
+                <a16:creationId xmlns:a16="http://schemas.microsoft.com/office/drawing/2014/main" id="{3B854194-185D-494D-905C-7C7CB2E30F6E}"/>
+              </a:ext>
+              <a:ext uri="{C183D7F6-B498-43B3-948B-1728B52AA6E4}">
+                <adec:decorative xmlns:adec="http://schemas.microsoft.com/office/drawing/2017/decorative" val="1"/>
+              </a:ext>
+            </a:extLst>
+          </p:cNvPr>
+          <p:cNvSpPr>
+            <a:spLocks noGrp="1" noRot="1" noChangeAspect="1" noMove="1" noResize="1" noEditPoints="1" noAdjustHandles="1" noChangeArrowheads="1" noChangeShapeType="1" noTextEdit="1"/>
+          </p:cNvSpPr>
+          <p:nvPr>
+            <p:extLst>
+              <p:ext uri="{386F3935-93C4-4BCD-93E2-E3B085C9AB24}">
+                <p16:designElem xmlns:p16="http://schemas.microsoft.com/office/powerpoint/2015/main" val="1"/>
+              </p:ext>
+            </p:extLst>
+          </p:nvPr>
+        </p:nvSpPr>
+        <p:spPr>
+          <a:xfrm>
+            <a:off x="1" y="0"/>
+            <a:ext cx="6082110" cy="6858000"/>
+          </a:xfrm>
+          <a:prstGeom prst="rect">
+            <a:avLst/>
+          </a:prstGeom>
+          <a:ln>
+            <a:noFill/>
+          </a:ln>
+        </p:spPr>
+        <p:style>
+          <a:lnRef idx="2">
+            <a:schemeClr val="accent1">
+              <a:shade val="50000"/>
+            </a:schemeClr>
+          </a:lnRef>
+          <a:fillRef idx="1">
+            <a:schemeClr val="accent1"/>
+          </a:fillRef>
+          <a:effectRef idx="0">
+            <a:schemeClr val="accent1"/>
+          </a:effectRef>
+          <a:fontRef idx="minor">
+            <a:schemeClr val="lt1"/>
+          </a:fontRef>
+        </p:style>
+        <p:txBody>
+          <a:bodyPr rtlCol="0" anchor="ctr"/>
+          <a:lstStyle/>
+          <a:p>
+            <a:pPr algn="ctr"/>
+            <a:endParaRPr lang="en-US"/>
+          </a:p>
+        </p:txBody>
+      </p:sp>
+      <p:sp>
+        <p:nvSpPr>
+          <p:cNvPr id="21" name="Rectangle 20">
+            <a:extLst>
+              <a:ext uri="{FF2B5EF4-FFF2-40B4-BE49-F238E27FC236}">
+                <a16:creationId xmlns:a16="http://schemas.microsoft.com/office/drawing/2014/main" id="{B4F5FA0D-0104-4987-8241-EFF7C85B88DE}"/>
+              </a:ext>
+              <a:ext uri="{C183D7F6-B498-43B3-948B-1728B52AA6E4}">
+                <adec:decorative xmlns:adec="http://schemas.microsoft.com/office/drawing/2017/decorative" val="1"/>
+              </a:ext>
+            </a:extLst>
+          </p:cNvPr>
+          <p:cNvSpPr>
+            <a:spLocks noGrp="1" noRot="1" noChangeAspect="1" noMove="1" noResize="1" noEditPoints="1" noAdjustHandles="1" noChangeArrowheads="1" noChangeShapeType="1" noTextEdit="1"/>
+          </p:cNvSpPr>
+          <p:nvPr>
+            <p:extLst>
+              <p:ext uri="{386F3935-93C4-4BCD-93E2-E3B085C9AB24}">
+                <p16:designElem xmlns:p16="http://schemas.microsoft.com/office/powerpoint/2015/main" val="1"/>
+              </p:ext>
+            </p:extLst>
+          </p:nvPr>
+        </p:nvSpPr>
+        <p:spPr>
+          <a:xfrm>
+            <a:off x="1" y="0"/>
+            <a:ext cx="12191998" cy="6858000"/>
+          </a:xfrm>
+          <a:prstGeom prst="rect">
+            <a:avLst/>
+          </a:prstGeom>
+          <a:gradFill>
+            <a:gsLst>
+              <a:gs pos="0">
+                <a:schemeClr val="accent1">
+                  <a:lumMod val="90000"/>
+                </a:schemeClr>
+              </a:gs>
+              <a:gs pos="25000">
+                <a:schemeClr val="accent1">
+                  <a:lumMod val="90000"/>
+                </a:schemeClr>
+              </a:gs>
+              <a:gs pos="94000">
+                <a:schemeClr val="bg2">
+                  <a:lumMod val="25000"/>
+                </a:schemeClr>
+              </a:gs>
+              <a:gs pos="100000">
+                <a:schemeClr val="bg2">
+                  <a:lumMod val="25000"/>
+                </a:schemeClr>
+              </a:gs>
+            </a:gsLst>
+            <a:lin ang="4200000" scaled="0"/>
+          </a:gradFill>
+          <a:ln>
+            <a:noFill/>
+          </a:ln>
+        </p:spPr>
+        <p:style>
+          <a:lnRef idx="2">
+            <a:schemeClr val="accent1">
+              <a:shade val="50000"/>
+            </a:schemeClr>
+          </a:lnRef>
+          <a:fillRef idx="1">
+            <a:schemeClr val="accent1"/>
+          </a:fillRef>
+          <a:effectRef idx="0">
+            <a:schemeClr val="accent1"/>
+          </a:effectRef>
+          <a:fontRef idx="minor">
+            <a:schemeClr val="lt1"/>
+          </a:fontRef>
+        </p:style>
+        <p:txBody>
+          <a:bodyPr rtlCol="0" anchor="ctr"/>
+          <a:lstStyle/>
+          <a:p>
+            <a:pPr algn="ctr"/>
+            <a:endParaRPr lang="en-US"/>
+          </a:p>
+        </p:txBody>
+      </p:sp>
+      <p:pic>
+        <p:nvPicPr>
+          <p:cNvPr id="23" name="Picture 22">
+            <a:extLst>
+              <a:ext uri="{FF2B5EF4-FFF2-40B4-BE49-F238E27FC236}">
+                <a16:creationId xmlns:a16="http://schemas.microsoft.com/office/drawing/2014/main" id="{2897127E-6CEF-446C-BE87-93B7C46E49D1}"/>
+              </a:ext>
+              <a:ext uri="{C183D7F6-B498-43B3-948B-1728B52AA6E4}">
+                <adec:decorative xmlns:adec="http://schemas.microsoft.com/office/drawing/2017/decorative" val="1"/>
+              </a:ext>
+            </a:extLst>
+          </p:cNvPr>
+          <p:cNvPicPr>
+            <a:picLocks noGrp="1" noRot="1" noChangeAspect="1" noMove="1" noResize="1" noEditPoints="1" noAdjustHandles="1" noChangeArrowheads="1" noChangeShapeType="1" noCrop="1"/>
+          </p:cNvPicPr>
+          <p:nvPr>
+            <p:extLst>
+              <p:ext uri="{386F3935-93C4-4BCD-93E2-E3B085C9AB24}">
+                <p16:designElem xmlns:p16="http://schemas.microsoft.com/office/powerpoint/2015/main" val="1"/>
+              </p:ext>
+            </p:extLst>
+          </p:nvPr>
+        </p:nvPicPr>
+        <p:blipFill>
+          <a:blip r:embed="rId2">
+            <a:extLst>
+              <a:ext uri="{28A0092B-C50C-407E-A947-70E740481C1C}">
+                <a14:useLocalDpi xmlns:a14="http://schemas.microsoft.com/office/drawing/2010/main" val="0"/>
+              </a:ext>
+            </a:extLst>
+          </a:blip>
+          <a:stretch>
+            <a:fillRect/>
+          </a:stretch>
+        </p:blipFill>
+        <p:spPr>
+          <a:xfrm>
+            <a:off x="0" y="0"/>
+            <a:ext cx="12192000" cy="6858000"/>
+          </a:xfrm>
+          <a:prstGeom prst="rect">
+            <a:avLst/>
+          </a:prstGeom>
+        </p:spPr>
+      </p:pic>
+      <p:sp>
+        <p:nvSpPr>
+          <p:cNvPr id="2" name="Title 1">
+            <a:extLst>
+              <a:ext uri="{FF2B5EF4-FFF2-40B4-BE49-F238E27FC236}">
+                <a16:creationId xmlns:a16="http://schemas.microsoft.com/office/drawing/2014/main" id="{EB011402-3155-4736-B1F6-29FE3C02E804}"/>
+              </a:ext>
+            </a:extLst>
+          </p:cNvPr>
+          <p:cNvSpPr>
+            <a:spLocks noGrp="1"/>
+          </p:cNvSpPr>
+          <p:nvPr>
+            <p:ph type="title"/>
+          </p:nvPr>
+        </p:nvSpPr>
+        <p:spPr>
+          <a:xfrm>
+            <a:off x="141403" y="2053641"/>
+            <a:ext cx="4619134" cy="2760098"/>
+          </a:xfrm>
+        </p:spPr>
+        <p:txBody>
+          <a:bodyPr vert="horz" lIns="91440" tIns="45720" rIns="91440" bIns="45720" rtlCol="0" anchor="ctr">
+            <a:normAutofit/>
+          </a:bodyPr>
+          <a:lstStyle/>
+          <a:p>
+            <a:r>
+              <a:rPr lang="en-US" kern="1200" dirty="0">
+                <a:solidFill>
+                  <a:srgbClr val="FFFFFF"/>
+                </a:solidFill>
+                <a:latin typeface="+mj-lt"/>
+                <a:ea typeface="+mj-ea"/>
+                <a:cs typeface="+mj-cs"/>
+              </a:rPr>
+              <a:t>Real Application Optional Challenge</a:t>
+            </a:r>
+          </a:p>
+        </p:txBody>
+      </p:sp>
+    </p:spTree>
+    <p:extLst>
+      <p:ext uri="{BB962C8B-B14F-4D97-AF65-F5344CB8AC3E}">
+        <p14:creationId xmlns:p14="http://schemas.microsoft.com/office/powerpoint/2010/main" val="3676729297"/>
+      </p:ext>
+    </p:extLst>
+  </p:cSld>
+  <p:clrMapOvr>
+    <a:masterClrMapping/>
+  </p:clrMapOvr>
+</p:sld>
+</file>
+
 <file path=ppt/slides/slide2.xml><?xml version="1.0" encoding="utf-8"?>
 <p:sld xmlns:a="http://schemas.openxmlformats.org/drawingml/2006/main" xmlns:r="http://schemas.openxmlformats.org/officeDocument/2006/relationships" xmlns:p="http://schemas.openxmlformats.org/presentationml/2006/main">
   <p:cSld>
@@ -10074,7 +10347,7 @@
       </p:grpSpPr>
       <p:sp useBgFill="1">
         <p:nvSpPr>
-          <p:cNvPr id="21" name="Rectangle 20">
+          <p:cNvPr id="30" name="Rectangle 25">
             <a:extLst>
               <a:ext uri="{FF2B5EF4-FFF2-40B4-BE49-F238E27FC236}">
                 <a16:creationId xmlns:a16="http://schemas.microsoft.com/office/drawing/2014/main" id="{53F29798-D584-4792-9B62-3F5F5C36D619}"/>
@@ -10192,7 +10465,7 @@
                 <a:ea typeface="+mj-ea"/>
                 <a:cs typeface="+mj-cs"/>
               </a:rPr>
-              <a:t>.Run TestHashTales.java for questions 1-3;</a:t>
+              <a:t>. Run TestHashTales.java for questions 1-3;</a:t>
             </a:r>
             <a:br>
               <a:rPr lang="en-US" sz="2900" kern="1200">
@@ -10220,6 +10493,11 @@
               </a:rPr>
               <a:t>. Run TestTrees.java for questions 4-6</a:t>
             </a:r>
+            <a:endParaRPr lang="en-US" sz="2900" kern="1200" dirty="0">
+              <a:latin typeface="+mj-lt"/>
+              <a:ea typeface="+mj-ea"/>
+              <a:cs typeface="+mj-cs"/>
+            </a:endParaRPr>
           </a:p>
         </p:txBody>
       </p:sp>
@@ -10296,6 +10574,543 @@
     <p:extLst>
       <p:ext uri="{BB962C8B-B14F-4D97-AF65-F5344CB8AC3E}">
         <p14:creationId xmlns:p14="http://schemas.microsoft.com/office/powerpoint/2010/main" val="288831255"/>
+      </p:ext>
+    </p:extLst>
+  </p:cSld>
+  <p:clrMapOvr>
+    <a:masterClrMapping/>
+  </p:clrMapOvr>
+</p:sld>
+</file>
+
+<file path=ppt/slides/slide20.xml><?xml version="1.0" encoding="utf-8"?>
+<p:sld xmlns:a="http://schemas.openxmlformats.org/drawingml/2006/main" xmlns:r="http://schemas.openxmlformats.org/officeDocument/2006/relationships" xmlns:p="http://schemas.openxmlformats.org/presentationml/2006/main">
+  <p:cSld>
+    <p:bg>
+      <p:bgPr>
+        <a:solidFill>
+          <a:schemeClr val="bg1"/>
+        </a:solidFill>
+        <a:effectLst/>
+      </p:bgPr>
+    </p:bg>
+    <p:spTree>
+      <p:nvGrpSpPr>
+        <p:cNvPr id="1" name=""/>
+        <p:cNvGrpSpPr/>
+        <p:nvPr/>
+      </p:nvGrpSpPr>
+      <p:grpSpPr>
+        <a:xfrm>
+          <a:off x="0" y="0"/>
+          <a:ext cx="0" cy="0"/>
+          <a:chOff x="0" y="0"/>
+          <a:chExt cx="0" cy="0"/>
+        </a:xfrm>
+      </p:grpSpPr>
+      <p:sp useBgFill="1">
+        <p:nvSpPr>
+          <p:cNvPr id="34" name="Rectangle 33">
+            <a:extLst>
+              <a:ext uri="{FF2B5EF4-FFF2-40B4-BE49-F238E27FC236}">
+                <a16:creationId xmlns:a16="http://schemas.microsoft.com/office/drawing/2014/main" id="{53F29798-D584-4792-9B62-3F5F5C36D619}"/>
+              </a:ext>
+              <a:ext uri="{C183D7F6-B498-43B3-948B-1728B52AA6E4}">
+                <adec:decorative xmlns:adec="http://schemas.microsoft.com/office/drawing/2017/decorative" val="1"/>
+              </a:ext>
+            </a:extLst>
+          </p:cNvPr>
+          <p:cNvSpPr>
+            <a:spLocks noGrp="1" noRot="1" noChangeAspect="1" noMove="1" noResize="1" noEditPoints="1" noAdjustHandles="1" noChangeArrowheads="1" noChangeShapeType="1" noTextEdit="1"/>
+          </p:cNvSpPr>
+          <p:nvPr>
+            <p:extLst>
+              <p:ext uri="{386F3935-93C4-4BCD-93E2-E3B085C9AB24}">
+                <p16:designElem xmlns:p16="http://schemas.microsoft.com/office/powerpoint/2015/main" val="1"/>
+              </p:ext>
+            </p:extLst>
+          </p:nvPr>
+        </p:nvSpPr>
+        <p:spPr>
+          <a:xfrm>
+            <a:off x="0" y="0"/>
+            <a:ext cx="12188952" cy="6858000"/>
+          </a:xfrm>
+          <a:prstGeom prst="rect">
+            <a:avLst/>
+          </a:prstGeom>
+          <a:ln>
+            <a:noFill/>
+          </a:ln>
+        </p:spPr>
+        <p:style>
+          <a:lnRef idx="2">
+            <a:schemeClr val="accent1">
+              <a:shade val="50000"/>
+            </a:schemeClr>
+          </a:lnRef>
+          <a:fillRef idx="1">
+            <a:schemeClr val="accent1"/>
+          </a:fillRef>
+          <a:effectRef idx="0">
+            <a:schemeClr val="accent1"/>
+          </a:effectRef>
+          <a:fontRef idx="minor">
+            <a:schemeClr val="lt1"/>
+          </a:fontRef>
+        </p:style>
+        <p:txBody>
+          <a:bodyPr rtlCol="0" anchor="ctr"/>
+          <a:lstStyle/>
+          <a:p>
+            <a:pPr algn="ctr"/>
+            <a:endParaRPr lang="en-US"/>
+          </a:p>
+        </p:txBody>
+      </p:sp>
+      <p:sp>
+        <p:nvSpPr>
+          <p:cNvPr id="2" name="Title 1">
+            <a:extLst>
+              <a:ext uri="{FF2B5EF4-FFF2-40B4-BE49-F238E27FC236}">
+                <a16:creationId xmlns:a16="http://schemas.microsoft.com/office/drawing/2014/main" id="{71E0B279-EC23-4603-9EA5-A75C41320A63}"/>
+              </a:ext>
+            </a:extLst>
+          </p:cNvPr>
+          <p:cNvSpPr>
+            <a:spLocks noGrp="1"/>
+          </p:cNvSpPr>
+          <p:nvPr>
+            <p:ph type="title"/>
+          </p:nvPr>
+        </p:nvSpPr>
+        <p:spPr>
+          <a:xfrm>
+            <a:off x="838200" y="184805"/>
+            <a:ext cx="10515600" cy="1505883"/>
+          </a:xfrm>
+        </p:spPr>
+        <p:txBody>
+          <a:bodyPr vert="horz" lIns="91440" tIns="45720" rIns="91440" bIns="45720" rtlCol="0" anchor="ctr">
+            <a:normAutofit/>
+          </a:bodyPr>
+          <a:lstStyle/>
+          <a:p>
+            <a:r>
+              <a:rPr lang="en-US" sz="2900" kern="1200" dirty="0">
+                <a:latin typeface="+mj-lt"/>
+                <a:ea typeface="+mj-ea"/>
+                <a:cs typeface="+mj-cs"/>
+              </a:rPr>
+              <a:t>This is the source code structure corresponding to all the questions. </a:t>
+            </a:r>
+            <a:br>
+              <a:rPr lang="en-US" sz="2900" kern="1200" dirty="0">
+                <a:latin typeface="+mj-lt"/>
+                <a:ea typeface="+mj-ea"/>
+                <a:cs typeface="+mj-cs"/>
+              </a:rPr>
+            </a:br>
+            <a:r>
+              <a:rPr lang="en-US" sz="2900" kern="1200" dirty="0">
+                <a:latin typeface="+mj-lt"/>
+                <a:ea typeface="+mj-ea"/>
+                <a:cs typeface="+mj-cs"/>
+              </a:rPr>
+              <a:t>Run each java file for corresponding </a:t>
+            </a:r>
+            <a:r>
+              <a:rPr lang="en-US" sz="2900" kern="1200" dirty="0">
+                <a:highlight>
+                  <a:srgbClr val="00FF00"/>
+                </a:highlight>
+                <a:latin typeface="+mj-lt"/>
+                <a:ea typeface="+mj-ea"/>
+                <a:cs typeface="+mj-cs"/>
+              </a:rPr>
+              <a:t>task/question </a:t>
+            </a:r>
+            <a:r>
+              <a:rPr lang="en-US" sz="2900" kern="1200" dirty="0">
+                <a:latin typeface="+mj-lt"/>
+                <a:ea typeface="+mj-ea"/>
+                <a:cs typeface="+mj-cs"/>
+              </a:rPr>
+              <a:t>as below.</a:t>
+            </a:r>
+          </a:p>
+        </p:txBody>
+      </p:sp>
+      <p:pic>
+        <p:nvPicPr>
+          <p:cNvPr id="4" name="Picture 3">
+            <a:extLst>
+              <a:ext uri="{FF2B5EF4-FFF2-40B4-BE49-F238E27FC236}">
+                <a16:creationId xmlns:a16="http://schemas.microsoft.com/office/drawing/2014/main" id="{D8CE732F-E52D-486A-9915-113644B30AE7}"/>
+              </a:ext>
+            </a:extLst>
+          </p:cNvPr>
+          <p:cNvPicPr>
+            <a:picLocks noChangeAspect="1"/>
+          </p:cNvPicPr>
+          <p:nvPr/>
+        </p:nvPicPr>
+        <p:blipFill rotWithShape="1">
+          <a:blip r:embed="rId2"/>
+          <a:srcRect r="1674" b="-2"/>
+          <a:stretch/>
+        </p:blipFill>
+        <p:spPr>
+          <a:xfrm>
+            <a:off x="2779536" y="1845426"/>
+            <a:ext cx="6629874" cy="4450303"/>
+          </a:xfrm>
+          <a:prstGeom prst="rect">
+            <a:avLst/>
+          </a:prstGeom>
+        </p:spPr>
+      </p:pic>
+      <p:sp>
+        <p:nvSpPr>
+          <p:cNvPr id="6" name="TextBox 5">
+            <a:extLst>
+              <a:ext uri="{FF2B5EF4-FFF2-40B4-BE49-F238E27FC236}">
+                <a16:creationId xmlns:a16="http://schemas.microsoft.com/office/drawing/2014/main" id="{43100966-2744-4458-8E72-00434A7D2127}"/>
+              </a:ext>
+            </a:extLst>
+          </p:cNvPr>
+          <p:cNvSpPr txBox="1"/>
+          <p:nvPr/>
+        </p:nvSpPr>
+        <p:spPr>
+          <a:xfrm>
+            <a:off x="648931" y="2438400"/>
+            <a:ext cx="3505494" cy="3785419"/>
+          </a:xfrm>
+          <a:prstGeom prst="rect">
+            <a:avLst/>
+          </a:prstGeom>
+        </p:spPr>
+        <p:txBody>
+          <a:bodyPr vert="horz" lIns="91440" tIns="45720" rIns="91440" bIns="45720" rtlCol="0">
+            <a:normAutofit/>
+          </a:bodyPr>
+          <a:lstStyle/>
+          <a:p>
+            <a:pPr>
+              <a:lnSpc>
+                <a:spcPct val="90000"/>
+              </a:lnSpc>
+              <a:spcAft>
+                <a:spcPts val="600"/>
+              </a:spcAft>
+            </a:pPr>
+            <a:endParaRPr lang="en-US" sz="2000" dirty="0"/>
+          </a:p>
+        </p:txBody>
+      </p:sp>
+    </p:spTree>
+    <p:extLst>
+      <p:ext uri="{BB962C8B-B14F-4D97-AF65-F5344CB8AC3E}">
+        <p14:creationId xmlns:p14="http://schemas.microsoft.com/office/powerpoint/2010/main" val="1156935611"/>
+      </p:ext>
+    </p:extLst>
+  </p:cSld>
+  <p:clrMapOvr>
+    <a:masterClrMapping/>
+  </p:clrMapOvr>
+</p:sld>
+</file>
+
+<file path=ppt/slides/slide21.xml><?xml version="1.0" encoding="utf-8"?>
+<p:sld xmlns:a="http://schemas.openxmlformats.org/drawingml/2006/main" xmlns:r="http://schemas.openxmlformats.org/officeDocument/2006/relationships" xmlns:p="http://schemas.openxmlformats.org/presentationml/2006/main">
+  <p:cSld>
+    <p:bg>
+      <p:bgPr>
+        <a:solidFill>
+          <a:schemeClr val="bg1"/>
+        </a:solidFill>
+        <a:effectLst/>
+      </p:bgPr>
+    </p:bg>
+    <p:spTree>
+      <p:nvGrpSpPr>
+        <p:cNvPr id="1" name=""/>
+        <p:cNvGrpSpPr/>
+        <p:nvPr/>
+      </p:nvGrpSpPr>
+      <p:grpSpPr>
+        <a:xfrm>
+          <a:off x="0" y="0"/>
+          <a:ext cx="0" cy="0"/>
+          <a:chOff x="0" y="0"/>
+          <a:chExt cx="0" cy="0"/>
+        </a:xfrm>
+      </p:grpSpPr>
+      <p:sp useBgFill="1">
+        <p:nvSpPr>
+          <p:cNvPr id="34" name="Rectangle 33">
+            <a:extLst>
+              <a:ext uri="{FF2B5EF4-FFF2-40B4-BE49-F238E27FC236}">
+                <a16:creationId xmlns:a16="http://schemas.microsoft.com/office/drawing/2014/main" id="{53F29798-D584-4792-9B62-3F5F5C36D619}"/>
+              </a:ext>
+              <a:ext uri="{C183D7F6-B498-43B3-948B-1728B52AA6E4}">
+                <adec:decorative xmlns:adec="http://schemas.microsoft.com/office/drawing/2017/decorative" val="1"/>
+              </a:ext>
+            </a:extLst>
+          </p:cNvPr>
+          <p:cNvSpPr>
+            <a:spLocks noGrp="1" noRot="1" noChangeAspect="1" noMove="1" noResize="1" noEditPoints="1" noAdjustHandles="1" noChangeArrowheads="1" noChangeShapeType="1" noTextEdit="1"/>
+          </p:cNvSpPr>
+          <p:nvPr>
+            <p:extLst>
+              <p:ext uri="{386F3935-93C4-4BCD-93E2-E3B085C9AB24}">
+                <p16:designElem xmlns:p16="http://schemas.microsoft.com/office/powerpoint/2015/main" val="1"/>
+              </p:ext>
+            </p:extLst>
+          </p:nvPr>
+        </p:nvSpPr>
+        <p:spPr>
+          <a:xfrm>
+            <a:off x="0" y="0"/>
+            <a:ext cx="12188952" cy="6858000"/>
+          </a:xfrm>
+          <a:prstGeom prst="rect">
+            <a:avLst/>
+          </a:prstGeom>
+          <a:ln>
+            <a:noFill/>
+          </a:ln>
+        </p:spPr>
+        <p:style>
+          <a:lnRef idx="2">
+            <a:schemeClr val="accent1">
+              <a:shade val="50000"/>
+            </a:schemeClr>
+          </a:lnRef>
+          <a:fillRef idx="1">
+            <a:schemeClr val="accent1"/>
+          </a:fillRef>
+          <a:effectRef idx="0">
+            <a:schemeClr val="accent1"/>
+          </a:effectRef>
+          <a:fontRef idx="minor">
+            <a:schemeClr val="lt1"/>
+          </a:fontRef>
+        </p:style>
+        <p:txBody>
+          <a:bodyPr rtlCol="0" anchor="ctr"/>
+          <a:lstStyle/>
+          <a:p>
+            <a:pPr algn="ctr"/>
+            <a:endParaRPr lang="en-US"/>
+          </a:p>
+        </p:txBody>
+      </p:sp>
+      <p:sp>
+        <p:nvSpPr>
+          <p:cNvPr id="2" name="Title 1">
+            <a:extLst>
+              <a:ext uri="{FF2B5EF4-FFF2-40B4-BE49-F238E27FC236}">
+                <a16:creationId xmlns:a16="http://schemas.microsoft.com/office/drawing/2014/main" id="{71E0B279-EC23-4603-9EA5-A75C41320A63}"/>
+              </a:ext>
+            </a:extLst>
+          </p:cNvPr>
+          <p:cNvSpPr>
+            <a:spLocks noGrp="1"/>
+          </p:cNvSpPr>
+          <p:nvPr>
+            <p:ph type="title"/>
+          </p:nvPr>
+        </p:nvSpPr>
+        <p:spPr>
+          <a:xfrm>
+            <a:off x="838200" y="184805"/>
+            <a:ext cx="10515600" cy="1505883"/>
+          </a:xfrm>
+        </p:spPr>
+        <p:txBody>
+          <a:bodyPr vert="horz" lIns="91440" tIns="45720" rIns="91440" bIns="45720" rtlCol="0" anchor="ctr">
+            <a:normAutofit/>
+          </a:bodyPr>
+          <a:lstStyle/>
+          <a:p>
+            <a:pPr algn="l"/>
+            <a:r>
+              <a:rPr lang="en-US" sz="2900" kern="1200" dirty="0">
+                <a:latin typeface="+mj-lt"/>
+                <a:ea typeface="+mj-ea"/>
+                <a:cs typeface="+mj-cs"/>
+              </a:rPr>
+              <a:t>Answer #5 - </a:t>
+            </a:r>
+            <a:r>
+              <a:rPr lang="en-US" sz="1800" dirty="0">
+                <a:solidFill>
+                  <a:srgbClr val="000000"/>
+                </a:solidFill>
+                <a:latin typeface="Consolas" panose="020B0609020204030204" pitchFamily="49" charset="0"/>
+              </a:rPr>
+              <a:t>The algorithm for Challenge.5 is efficient because it leverages </a:t>
+            </a:r>
+            <a:r>
+              <a:rPr lang="en-US" sz="1800" dirty="0" err="1">
+                <a:solidFill>
+                  <a:srgbClr val="000000"/>
+                </a:solidFill>
+                <a:latin typeface="Consolas" panose="020B0609020204030204" pitchFamily="49" charset="0"/>
+              </a:rPr>
+              <a:t>SplayTree's</a:t>
+            </a:r>
+            <a:r>
+              <a:rPr lang="en-US" sz="1800" dirty="0">
+                <a:solidFill>
+                  <a:srgbClr val="000000"/>
+                </a:solidFill>
+                <a:latin typeface="Consolas" panose="020B0609020204030204" pitchFamily="49" charset="0"/>
+              </a:rPr>
+              <a:t> </a:t>
+            </a:r>
+            <a:r>
+              <a:rPr lang="en-US" sz="1800" dirty="0" err="1">
+                <a:solidFill>
+                  <a:srgbClr val="000000"/>
+                </a:solidFill>
+                <a:latin typeface="Consolas" panose="020B0609020204030204" pitchFamily="49" charset="0"/>
+              </a:rPr>
+              <a:t>findMax</a:t>
+            </a:r>
+            <a:r>
+              <a:rPr lang="en-US" sz="1800" dirty="0">
+                <a:solidFill>
+                  <a:srgbClr val="000000"/>
+                </a:solidFill>
+                <a:latin typeface="Consolas" panose="020B0609020204030204" pitchFamily="49" charset="0"/>
+              </a:rPr>
+              <a:t> and </a:t>
+            </a:r>
+            <a:r>
+              <a:rPr lang="en-US" sz="1800" dirty="0" err="1">
+                <a:solidFill>
+                  <a:srgbClr val="000000"/>
+                </a:solidFill>
+                <a:latin typeface="Consolas" panose="020B0609020204030204" pitchFamily="49" charset="0"/>
+              </a:rPr>
+              <a:t>findMin</a:t>
+            </a:r>
+            <a:r>
+              <a:rPr lang="en-US" sz="1800" dirty="0">
+                <a:solidFill>
+                  <a:srgbClr val="000000"/>
+                </a:solidFill>
+                <a:latin typeface="Consolas" panose="020B0609020204030204" pitchFamily="49" charset="0"/>
+              </a:rPr>
+              <a:t> methods with a </a:t>
+            </a:r>
+            <a:r>
+              <a:rPr lang="en-US" sz="1800">
+                <a:solidFill>
+                  <a:srgbClr val="000000"/>
+                </a:solidFill>
+                <a:latin typeface="Consolas" panose="020B0609020204030204" pitchFamily="49" charset="0"/>
+              </a:rPr>
+              <a:t>subsequent remove(), </a:t>
+            </a:r>
+            <a:r>
+              <a:rPr lang="en-US" sz="1800" dirty="0">
+                <a:solidFill>
+                  <a:srgbClr val="000000"/>
+                </a:solidFill>
+                <a:latin typeface="Consolas" panose="020B0609020204030204" pitchFamily="49" charset="0"/>
+              </a:rPr>
+              <a:t>which are all at average time complexity of O(log n), as the average height of the </a:t>
+            </a:r>
+            <a:r>
+              <a:rPr lang="en-US" sz="1800" dirty="0" err="1">
+                <a:solidFill>
+                  <a:srgbClr val="000000"/>
+                </a:solidFill>
+                <a:latin typeface="Consolas" panose="020B0609020204030204" pitchFamily="49" charset="0"/>
+              </a:rPr>
+              <a:t>SplayTree</a:t>
+            </a:r>
+            <a:r>
+              <a:rPr lang="en-US" sz="1800" dirty="0">
+                <a:solidFill>
+                  <a:srgbClr val="000000"/>
+                </a:solidFill>
+                <a:latin typeface="Consolas" panose="020B0609020204030204" pitchFamily="49" charset="0"/>
+              </a:rPr>
+              <a:t> is log n.</a:t>
+            </a:r>
+            <a:br>
+              <a:rPr lang="en-US" sz="1800" dirty="0">
+                <a:solidFill>
+                  <a:srgbClr val="000000"/>
+                </a:solidFill>
+                <a:latin typeface="Consolas" panose="020B0609020204030204" pitchFamily="49" charset="0"/>
+              </a:rPr>
+            </a:br>
+            <a:r>
+              <a:rPr lang="en-US" sz="1800" dirty="0">
+                <a:solidFill>
+                  <a:srgbClr val="000000"/>
+                </a:solidFill>
+                <a:latin typeface="Consolas" panose="020B0609020204030204" pitchFamily="49" charset="0"/>
+              </a:rPr>
+              <a:t>The overall time complexity for each most/least element is O(log n)</a:t>
+            </a:r>
+            <a:endParaRPr lang="en-US" sz="2900" kern="1200" dirty="0">
+              <a:latin typeface="+mj-lt"/>
+              <a:ea typeface="+mj-ea"/>
+              <a:cs typeface="+mj-cs"/>
+            </a:endParaRPr>
+          </a:p>
+        </p:txBody>
+      </p:sp>
+      <p:sp>
+        <p:nvSpPr>
+          <p:cNvPr id="6" name="TextBox 5">
+            <a:extLst>
+              <a:ext uri="{FF2B5EF4-FFF2-40B4-BE49-F238E27FC236}">
+                <a16:creationId xmlns:a16="http://schemas.microsoft.com/office/drawing/2014/main" id="{43100966-2744-4458-8E72-00434A7D2127}"/>
+              </a:ext>
+            </a:extLst>
+          </p:cNvPr>
+          <p:cNvSpPr txBox="1"/>
+          <p:nvPr/>
+        </p:nvSpPr>
+        <p:spPr>
+          <a:xfrm>
+            <a:off x="648931" y="2438400"/>
+            <a:ext cx="3505494" cy="3785419"/>
+          </a:xfrm>
+          <a:prstGeom prst="rect">
+            <a:avLst/>
+          </a:prstGeom>
+        </p:spPr>
+        <p:txBody>
+          <a:bodyPr vert="horz" lIns="91440" tIns="45720" rIns="91440" bIns="45720" rtlCol="0">
+            <a:normAutofit/>
+          </a:bodyPr>
+          <a:lstStyle/>
+          <a:p>
+            <a:pPr>
+              <a:lnSpc>
+                <a:spcPct val="90000"/>
+              </a:lnSpc>
+              <a:spcAft>
+                <a:spcPts val="600"/>
+              </a:spcAft>
+            </a:pPr>
+            <a:endParaRPr lang="en-US" sz="2000" dirty="0"/>
+          </a:p>
+        </p:txBody>
+      </p:sp>
+    </p:spTree>
+    <p:extLst>
+      <p:ext uri="{BB962C8B-B14F-4D97-AF65-F5344CB8AC3E}">
+        <p14:creationId xmlns:p14="http://schemas.microsoft.com/office/powerpoint/2010/main" val="1717846416"/>
       </p:ext>
     </p:extLst>
   </p:cSld>
@@ -10411,7 +11226,7 @@
             </a:pPr>
             <a:r>
               <a:rPr lang="en-US" sz="2000" dirty="0"/>
-              <a:t>Cuck I: Cuckoo hash able Insertion average time in </a:t>
+              <a:t>Cuck I: Cuckoo hash table Insertion average time in </a:t>
             </a:r>
             <a:r>
               <a:rPr lang="en-US" sz="2000" b="1" dirty="0"/>
